--- a/ABAP RAP/RAP.pptx
+++ b/ABAP RAP/RAP.pptx
@@ -5,7 +5,7 @@
     <p:sldMasterId id="2147483660" r:id="rId4"/>
   </p:sldMasterIdLst>
   <p:notesMasterIdLst>
-    <p:notesMasterId r:id="rId20"/>
+    <p:notesMasterId r:id="rId21"/>
   </p:notesMasterIdLst>
   <p:sldIdLst>
     <p:sldId id="256" r:id="rId5"/>
@@ -14,15 +14,16 @@
     <p:sldId id="2884" r:id="rId8"/>
     <p:sldId id="668" r:id="rId9"/>
     <p:sldId id="702" r:id="rId10"/>
-    <p:sldId id="2885" r:id="rId11"/>
-    <p:sldId id="2887" r:id="rId12"/>
+    <p:sldId id="2887" r:id="rId11"/>
+    <p:sldId id="2885" r:id="rId12"/>
     <p:sldId id="643" r:id="rId13"/>
     <p:sldId id="644" r:id="rId14"/>
     <p:sldId id="645" r:id="rId15"/>
     <p:sldId id="646" r:id="rId16"/>
     <p:sldId id="647" r:id="rId17"/>
     <p:sldId id="2886" r:id="rId18"/>
-    <p:sldId id="536" r:id="rId19"/>
+    <p:sldId id="2889" r:id="rId19"/>
+    <p:sldId id="536" r:id="rId20"/>
   </p:sldIdLst>
   <p:sldSz cx="9144000" cy="5143500" type="screen16x9"/>
   <p:notesSz cx="6858000" cy="9144000"/>
@@ -211,7 +212,7 @@
           <a:p>
             <a:fld id="{DF47BD41-F31A-954E-AB4A-05ED95AF1A5A}" type="datetimeFigureOut">
               <a:rPr lang="en-US" smtClean="0"/>
-              <a:t>8/23/19</a:t>
+              <a:t>8/24/19</a:t>
             </a:fld>
             <a:endParaRPr lang="en-US"/>
           </a:p>
@@ -1065,7 +1066,7 @@
             <a:fld id="{7D8C2C35-2B8A-446E-BEC0-FD36716C29AC}" type="slidenum">
               <a:rPr lang="de-DE" smtClean="0"/>
               <a:pPr/>
-              <a:t>15</a:t>
+              <a:t>16</a:t>
             </a:fld>
             <a:endParaRPr lang="de-DE" dirty="0"/>
           </a:p>
@@ -3949,13 +3950,13 @@
   <p:clrMapOvr>
     <a:masterClrMapping/>
   </p:clrMapOvr>
-  <mc:AlternateContent xmlns:mc="http://schemas.openxmlformats.org/markup-compatibility/2006">
-    <mc:Choice xmlns:p159="http://schemas.microsoft.com/office/powerpoint/2015/09/main" Requires="p159">
+  <mc:AlternateContent xmlns:mc="http://schemas.openxmlformats.org/markup-compatibility/2006" xmlns:p159="http://schemas.microsoft.com/office/powerpoint/2015/09/main">
+    <mc:Choice Requires="p159">
       <p:transition xmlns:p14="http://schemas.microsoft.com/office/powerpoint/2010/main" spd="slow" p14:dur="2000">
         <p159:morph option="byObject"/>
       </p:transition>
     </mc:Choice>
-    <mc:Fallback>
+    <mc:Fallback xmlns="">
       <p:transition spd="slow">
         <p:fade/>
       </p:transition>
@@ -5508,13 +5509,13 @@
   <p:clrMapOvr>
     <a:masterClrMapping/>
   </p:clrMapOvr>
-  <mc:AlternateContent xmlns:mc="http://schemas.openxmlformats.org/markup-compatibility/2006">
-    <mc:Choice xmlns:p159="http://schemas.microsoft.com/office/powerpoint/2015/09/main" Requires="p159">
+  <mc:AlternateContent xmlns:mc="http://schemas.openxmlformats.org/markup-compatibility/2006" xmlns:p159="http://schemas.microsoft.com/office/powerpoint/2015/09/main">
+    <mc:Choice Requires="p159">
       <p:transition xmlns:p14="http://schemas.microsoft.com/office/powerpoint/2010/main" spd="slow" p14:dur="2000">
         <p159:morph option="byObject"/>
       </p:transition>
     </mc:Choice>
-    <mc:Fallback>
+    <mc:Fallback xmlns="">
       <p:transition spd="slow">
         <p:fade/>
       </p:transition>
@@ -7936,13 +7937,13 @@
   <p:clrMapOvr>
     <a:masterClrMapping/>
   </p:clrMapOvr>
-  <mc:AlternateContent xmlns:mc="http://schemas.openxmlformats.org/markup-compatibility/2006">
-    <mc:Choice xmlns:p159="http://schemas.microsoft.com/office/powerpoint/2015/09/main" Requires="p159">
+  <mc:AlternateContent xmlns:mc="http://schemas.openxmlformats.org/markup-compatibility/2006" xmlns:p159="http://schemas.microsoft.com/office/powerpoint/2015/09/main">
+    <mc:Choice Requires="p159">
       <p:transition xmlns:p14="http://schemas.microsoft.com/office/powerpoint/2010/main" spd="slow" p14:dur="2000">
         <p159:morph option="byObject"/>
       </p:transition>
     </mc:Choice>
-    <mc:Fallback>
+    <mc:Fallback xmlns="">
       <p:transition spd="slow">
         <p:fade/>
       </p:transition>
@@ -11476,13 +11477,13 @@
   <p:clrMapOvr>
     <a:masterClrMapping/>
   </p:clrMapOvr>
-  <mc:AlternateContent xmlns:mc="http://schemas.openxmlformats.org/markup-compatibility/2006">
-    <mc:Choice xmlns:p159="http://schemas.microsoft.com/office/powerpoint/2015/09/main" Requires="p159">
+  <mc:AlternateContent xmlns:mc="http://schemas.openxmlformats.org/markup-compatibility/2006" xmlns:p159="http://schemas.microsoft.com/office/powerpoint/2015/09/main">
+    <mc:Choice Requires="p159">
       <p:transition xmlns:p14="http://schemas.microsoft.com/office/powerpoint/2010/main" spd="slow" p14:dur="2000">
         <p159:morph option="byObject"/>
       </p:transition>
     </mc:Choice>
-    <mc:Fallback>
+    <mc:Fallback xmlns="">
       <p:transition spd="slow">
         <p:fade/>
       </p:transition>
@@ -14429,13 +14430,13 @@
   <p:clrMapOvr>
     <a:masterClrMapping/>
   </p:clrMapOvr>
-  <mc:AlternateContent xmlns:mc="http://schemas.openxmlformats.org/markup-compatibility/2006">
-    <mc:Choice xmlns:p159="http://schemas.microsoft.com/office/powerpoint/2015/09/main" Requires="p159">
+  <mc:AlternateContent xmlns:mc="http://schemas.openxmlformats.org/markup-compatibility/2006" xmlns:p159="http://schemas.microsoft.com/office/powerpoint/2015/09/main">
+    <mc:Choice Requires="p159">
       <p:transition xmlns:p14="http://schemas.microsoft.com/office/powerpoint/2010/main" spd="slow" p14:dur="2000">
         <p159:morph option="byObject"/>
       </p:transition>
     </mc:Choice>
-    <mc:Fallback>
+    <mc:Fallback xmlns="">
       <p:transition spd="slow">
         <p:fade/>
       </p:transition>
@@ -16270,13 +16271,13 @@
   <p:clrMapOvr>
     <a:masterClrMapping/>
   </p:clrMapOvr>
-  <mc:AlternateContent xmlns:mc="http://schemas.openxmlformats.org/markup-compatibility/2006">
-    <mc:Choice xmlns:p159="http://schemas.microsoft.com/office/powerpoint/2015/09/main" Requires="p159">
+  <mc:AlternateContent xmlns:mc="http://schemas.openxmlformats.org/markup-compatibility/2006" xmlns:p159="http://schemas.microsoft.com/office/powerpoint/2015/09/main">
+    <mc:Choice Requires="p159">
       <p:transition xmlns:p14="http://schemas.microsoft.com/office/powerpoint/2010/main" spd="slow" p14:dur="2000">
         <p159:morph option="byObject"/>
       </p:transition>
     </mc:Choice>
-    <mc:Fallback>
+    <mc:Fallback xmlns="">
       <p:transition spd="slow">
         <p:fade/>
       </p:transition>
@@ -16286,6 +16287,103 @@
 </file>
 
 <file path=ppt/slides/slide15.xml><?xml version="1.0" encoding="utf-8"?>
+<p:sld xmlns:a="http://schemas.openxmlformats.org/drawingml/2006/main" xmlns:r="http://schemas.openxmlformats.org/officeDocument/2006/relationships" xmlns:p="http://schemas.openxmlformats.org/presentationml/2006/main">
+  <p:cSld>
+    <p:spTree>
+      <p:nvGrpSpPr>
+        <p:cNvPr id="1" name=""/>
+        <p:cNvGrpSpPr/>
+        <p:nvPr/>
+      </p:nvGrpSpPr>
+      <p:grpSpPr>
+        <a:xfrm>
+          <a:off x="0" y="0"/>
+          <a:ext cx="0" cy="0"/>
+          <a:chOff x="0" y="0"/>
+          <a:chExt cx="0" cy="0"/>
+        </a:xfrm>
+      </p:grpSpPr>
+      <p:sp>
+        <p:nvSpPr>
+          <p:cNvPr id="2" name="Title 1">
+            <a:extLst>
+              <a:ext uri="{FF2B5EF4-FFF2-40B4-BE49-F238E27FC236}">
+                <a16:creationId xmlns:a16="http://schemas.microsoft.com/office/drawing/2014/main" id="{69667454-5C05-B743-B745-39A6A3C39C3D}"/>
+              </a:ext>
+            </a:extLst>
+          </p:cNvPr>
+          <p:cNvSpPr>
+            <a:spLocks noGrp="1"/>
+          </p:cNvSpPr>
+          <p:nvPr>
+            <p:ph type="title"/>
+          </p:nvPr>
+        </p:nvSpPr>
+        <p:spPr/>
+        <p:txBody>
+          <a:bodyPr/>
+          <a:lstStyle/>
+          <a:p>
+            <a:endParaRPr lang="en-US" dirty="0"/>
+          </a:p>
+        </p:txBody>
+      </p:sp>
+      <p:pic>
+        <p:nvPicPr>
+          <p:cNvPr id="5" name="Picture 4">
+            <a:extLst>
+              <a:ext uri="{FF2B5EF4-FFF2-40B4-BE49-F238E27FC236}">
+                <a16:creationId xmlns:a16="http://schemas.microsoft.com/office/drawing/2014/main" id="{DE934727-E9B3-CF48-8586-024B3B471C18}"/>
+              </a:ext>
+            </a:extLst>
+          </p:cNvPr>
+          <p:cNvPicPr>
+            <a:picLocks noChangeAspect="1"/>
+          </p:cNvPicPr>
+          <p:nvPr/>
+        </p:nvPicPr>
+        <p:blipFill>
+          <a:blip r:embed="rId2"/>
+          <a:stretch>
+            <a:fillRect/>
+          </a:stretch>
+        </p:blipFill>
+        <p:spPr>
+          <a:xfrm>
+            <a:off x="0" y="0"/>
+            <a:ext cx="9144000" cy="4787710"/>
+          </a:xfrm>
+          <a:prstGeom prst="rect">
+            <a:avLst/>
+          </a:prstGeom>
+        </p:spPr>
+      </p:pic>
+    </p:spTree>
+    <p:extLst>
+      <p:ext uri="{BB962C8B-B14F-4D97-AF65-F5344CB8AC3E}">
+        <p14:creationId xmlns:p14="http://schemas.microsoft.com/office/powerpoint/2010/main" val="3753636817"/>
+      </p:ext>
+    </p:extLst>
+  </p:cSld>
+  <p:clrMapOvr>
+    <a:masterClrMapping/>
+  </p:clrMapOvr>
+  <mc:AlternateContent xmlns:mc="http://schemas.openxmlformats.org/markup-compatibility/2006" xmlns:p159="http://schemas.microsoft.com/office/powerpoint/2015/09/main">
+    <mc:Choice Requires="p159">
+      <p:transition xmlns:p14="http://schemas.microsoft.com/office/powerpoint/2010/main" spd="slow" p14:dur="2000">
+        <p159:morph option="byObject"/>
+      </p:transition>
+    </mc:Choice>
+    <mc:Fallback xmlns="">
+      <p:transition spd="slow">
+        <p:fade/>
+      </p:transition>
+    </mc:Fallback>
+  </mc:AlternateContent>
+</p:sld>
+</file>
+
+<file path=ppt/slides/slide16.xml><?xml version="1.0" encoding="utf-8"?>
 <p:sld xmlns:a="http://schemas.openxmlformats.org/drawingml/2006/main" xmlns:r="http://schemas.openxmlformats.org/officeDocument/2006/relationships" xmlns:p="http://schemas.openxmlformats.org/presentationml/2006/main">
   <p:cSld>
     <p:spTree>
@@ -16410,14 +16508,14 @@
           </a:effectLst>
           <a:extLst>
             <a:ext uri="{909E8E84-426E-40dd-AFC4-6F175D3DCCD1}">
-              <a14:hiddenFill xmlns="" xmlns:a14="http://schemas.microsoft.com/office/drawing/2010/main">
+              <a14:hiddenFill xmlns:a14="http://schemas.microsoft.com/office/drawing/2010/main" xmlns="">
                 <a:solidFill>
                   <a:schemeClr val="accent1"/>
                 </a:solidFill>
               </a14:hiddenFill>
             </a:ext>
             <a:ext uri="{91240B29-F687-4f45-9708-019B960494DF}">
-              <a14:hiddenLine xmlns="" xmlns:a14="http://schemas.microsoft.com/office/drawing/2010/main" w="9525">
+              <a14:hiddenLine xmlns:a14="http://schemas.microsoft.com/office/drawing/2010/main" xmlns="" w="9525">
                 <a:solidFill>
                   <a:schemeClr val="tx1"/>
                 </a:solidFill>
@@ -16600,13 +16698,13 @@
   <p:clrMapOvr>
     <a:masterClrMapping/>
   </p:clrMapOvr>
-  <mc:AlternateContent xmlns:mc="http://schemas.openxmlformats.org/markup-compatibility/2006">
-    <mc:Choice xmlns:p159="http://schemas.microsoft.com/office/powerpoint/2015/09/main" Requires="p159">
+  <mc:AlternateContent xmlns:mc="http://schemas.openxmlformats.org/markup-compatibility/2006" xmlns:p159="http://schemas.microsoft.com/office/powerpoint/2015/09/main">
+    <mc:Choice Requires="p159">
       <p:transition xmlns:p14="http://schemas.microsoft.com/office/powerpoint/2010/main" spd="slow" p14:dur="2000">
         <p159:morph option="byObject"/>
       </p:transition>
     </mc:Choice>
-    <mc:Fallback>
+    <mc:Fallback xmlns="">
       <p:transition spd="slow">
         <p:fade/>
       </p:transition>
@@ -16993,13 +17091,13 @@
   <p:clrMapOvr>
     <a:masterClrMapping/>
   </p:clrMapOvr>
-  <mc:AlternateContent xmlns:mc="http://schemas.openxmlformats.org/markup-compatibility/2006">
-    <mc:Choice xmlns:p159="http://schemas.microsoft.com/office/powerpoint/2015/09/main" Requires="p159">
+  <mc:AlternateContent xmlns:mc="http://schemas.openxmlformats.org/markup-compatibility/2006" xmlns:p159="http://schemas.microsoft.com/office/powerpoint/2015/09/main">
+    <mc:Choice Requires="p159">
       <p:transition xmlns:p14="http://schemas.microsoft.com/office/powerpoint/2010/main" spd="slow" p14:dur="2000">
         <p159:morph option="byObject"/>
       </p:transition>
     </mc:Choice>
-    <mc:Fallback>
+    <mc:Fallback xmlns="">
       <p:transition spd="slow">
         <p:fade/>
       </p:transition>
@@ -17025,36 +17123,6 @@
           <a:chExt cx="0" cy="0"/>
         </a:xfrm>
       </p:grpSpPr>
-      <p:pic>
-        <p:nvPicPr>
-          <p:cNvPr id="6" name="Picture 5">
-            <a:extLst>
-              <a:ext uri="{FF2B5EF4-FFF2-40B4-BE49-F238E27FC236}">
-                <a16:creationId xmlns:a16="http://schemas.microsoft.com/office/drawing/2014/main" id="{B44B2632-D5C6-ED4F-802D-0EA12B2F5F96}"/>
-              </a:ext>
-            </a:extLst>
-          </p:cNvPr>
-          <p:cNvPicPr>
-            <a:picLocks noChangeAspect="1"/>
-          </p:cNvPicPr>
-          <p:nvPr/>
-        </p:nvPicPr>
-        <p:blipFill>
-          <a:blip r:embed="rId2"/>
-          <a:stretch>
-            <a:fillRect/>
-          </a:stretch>
-        </p:blipFill>
-        <p:spPr>
-          <a:xfrm>
-            <a:off x="7394714" y="274245"/>
-            <a:ext cx="1343770" cy="895847"/>
-          </a:xfrm>
-          <a:prstGeom prst="rect">
-            <a:avLst/>
-          </a:prstGeom>
-        </p:spPr>
-      </p:pic>
       <p:sp>
         <p:nvSpPr>
           <p:cNvPr id="2" name="Title 1">
@@ -17076,80 +17144,40 @@
           <a:bodyPr/>
           <a:lstStyle/>
           <a:p>
-            <a:r>
-              <a:rPr lang="en-US" dirty="0"/>
-              <a:t>My SAUG Summit content</a:t>
-            </a:r>
+            <a:endParaRPr lang="en-US" dirty="0"/>
           </a:p>
         </p:txBody>
       </p:sp>
-      <p:sp>
-        <p:nvSpPr>
-          <p:cNvPr id="3" name="Footer Placeholder 2">
+      <p:pic>
+        <p:nvPicPr>
+          <p:cNvPr id="5" name="Picture 4">
             <a:extLst>
               <a:ext uri="{FF2B5EF4-FFF2-40B4-BE49-F238E27FC236}">
-                <a16:creationId xmlns:a16="http://schemas.microsoft.com/office/drawing/2014/main" id="{003DE5B8-41D7-1A4D-9FFC-E1EC1DFFAACA}"/>
+                <a16:creationId xmlns:a16="http://schemas.microsoft.com/office/drawing/2014/main" id="{DE934727-E9B3-CF48-8586-024B3B471C18}"/>
               </a:ext>
             </a:extLst>
           </p:cNvPr>
-          <p:cNvSpPr>
-            <a:spLocks noGrp="1"/>
-          </p:cNvSpPr>
-          <p:nvPr>
-            <p:ph type="ftr" sz="quarter" idx="10"/>
-          </p:nvPr>
-        </p:nvSpPr>
-        <p:spPr/>
-        <p:txBody>
-          <a:bodyPr/>
-          <a:lstStyle/>
-          <a:p>
-            <a:r>
-              <a:rPr lang="en-US"/>
-              <a:t>SAUG National Summit 2019</a:t>
-            </a:r>
-            <a:endParaRPr lang="en-US" dirty="0"/>
-          </a:p>
-        </p:txBody>
-      </p:sp>
-      <p:sp>
-        <p:nvSpPr>
-          <p:cNvPr id="4" name="TextBox 3">
-            <a:extLst>
-              <a:ext uri="{FF2B5EF4-FFF2-40B4-BE49-F238E27FC236}">
-                <a16:creationId xmlns:a16="http://schemas.microsoft.com/office/drawing/2014/main" id="{33F97E6E-3E55-DD44-B009-F9E7CA52198D}"/>
-              </a:ext>
-            </a:extLst>
-          </p:cNvPr>
-          <p:cNvSpPr txBox="1"/>
-          <p:nvPr/>
-        </p:nvSpPr>
+          <p:cNvPicPr>
+            <a:picLocks noChangeAspect="1"/>
+          </p:cNvPicPr>
+          <p:nvPr/>
+        </p:nvPicPr>
+        <p:blipFill>
+          <a:blip r:embed="rId2"/>
+          <a:stretch>
+            <a:fillRect/>
+          </a:stretch>
+        </p:blipFill>
         <p:spPr>
           <a:xfrm>
-            <a:off x="2663144" y="1357224"/>
-            <a:ext cx="3817712" cy="300082"/>
+            <a:off x="0" y="0"/>
+            <a:ext cx="9144000" cy="4787710"/>
           </a:xfrm>
           <a:prstGeom prst="rect">
             <a:avLst/>
           </a:prstGeom>
-          <a:noFill/>
-        </p:spPr>
-        <p:txBody>
-          <a:bodyPr wrap="none" rtlCol="0">
-            <a:spAutoFit/>
-          </a:bodyPr>
-          <a:lstStyle/>
-          <a:p>
-            <a:r>
-              <a:rPr lang="en-US" dirty="0">
-                <a:hlinkClick r:id="rId3"/>
-              </a:rPr>
-              <a:t>https://github.com/grahamrobbo/saugsummit2019</a:t>
-            </a:r>
-            <a:endParaRPr lang="en-US" dirty="0"/>
-          </a:p>
-        </p:txBody>
-      </p:sp>
+        </p:spPr>
+      </p:pic>
     </p:spTree>
     <p:extLst>
       <p:ext uri="{BB962C8B-B14F-4D97-AF65-F5344CB8AC3E}">
@@ -17160,13 +17188,13 @@
   <p:clrMapOvr>
     <a:masterClrMapping/>
   </p:clrMapOvr>
-  <mc:AlternateContent xmlns:mc="http://schemas.openxmlformats.org/markup-compatibility/2006">
-    <mc:Choice xmlns:p159="http://schemas.microsoft.com/office/powerpoint/2015/09/main" Requires="p159">
+  <mc:AlternateContent xmlns:mc="http://schemas.openxmlformats.org/markup-compatibility/2006" xmlns:p159="http://schemas.microsoft.com/office/powerpoint/2015/09/main">
+    <mc:Choice Requires="p159">
       <p:transition xmlns:p14="http://schemas.microsoft.com/office/powerpoint/2010/main" spd="slow" p14:dur="2000">
         <p159:morph option="byObject"/>
       </p:transition>
     </mc:Choice>
-    <mc:Fallback>
+    <mc:Fallback xmlns="">
       <p:transition spd="slow">
         <p:fade/>
       </p:transition>
@@ -19586,13 +19614,13 @@
   <p:clrMapOvr>
     <a:masterClrMapping/>
   </p:clrMapOvr>
-  <mc:AlternateContent xmlns:mc="http://schemas.openxmlformats.org/markup-compatibility/2006">
-    <mc:Choice xmlns:p159="http://schemas.microsoft.com/office/powerpoint/2015/09/main" Requires="p159">
+  <mc:AlternateContent xmlns:mc="http://schemas.openxmlformats.org/markup-compatibility/2006" xmlns:p159="http://schemas.microsoft.com/office/powerpoint/2015/09/main">
+    <mc:Choice Requires="p159">
       <p:transition xmlns:p14="http://schemas.microsoft.com/office/powerpoint/2010/main" spd="slow" p14:dur="2000">
         <p159:morph option="byObject"/>
       </p:transition>
     </mc:Choice>
-    <mc:Fallback>
+    <mc:Fallback xmlns="">
       <p:transition spd="slow">
         <p:fade/>
       </p:transition>
@@ -21428,13 +21456,13 @@
   <p:clrMapOvr>
     <a:masterClrMapping/>
   </p:clrMapOvr>
-  <mc:AlternateContent xmlns:mc="http://schemas.openxmlformats.org/markup-compatibility/2006">
-    <mc:Choice xmlns:p159="http://schemas.microsoft.com/office/powerpoint/2015/09/main" Requires="p159">
+  <mc:AlternateContent xmlns:mc="http://schemas.openxmlformats.org/markup-compatibility/2006" xmlns:p159="http://schemas.microsoft.com/office/powerpoint/2015/09/main">
+    <mc:Choice Requires="p159">
       <p:transition xmlns:p14="http://schemas.microsoft.com/office/powerpoint/2010/main" spd="slow" p14:dur="2000">
         <p159:morph option="byObject"/>
       </p:transition>
     </mc:Choice>
-    <mc:Fallback>
+    <mc:Fallback xmlns="">
       <p:transition spd="slow">
         <p:fade/>
       </p:transition>
@@ -23434,13 +23462,13 @@
   <p:clrMapOvr>
     <a:masterClrMapping/>
   </p:clrMapOvr>
-  <mc:AlternateContent xmlns:mc="http://schemas.openxmlformats.org/markup-compatibility/2006">
-    <mc:Choice xmlns:p159="http://schemas.microsoft.com/office/powerpoint/2015/09/main" Requires="p159">
+  <mc:AlternateContent xmlns:mc="http://schemas.openxmlformats.org/markup-compatibility/2006" xmlns:p159="http://schemas.microsoft.com/office/powerpoint/2015/09/main">
+    <mc:Choice Requires="p159">
       <p:transition xmlns:p14="http://schemas.microsoft.com/office/powerpoint/2010/main" spd="slow" p14:dur="2000">
         <p159:morph option="byObject"/>
       </p:transition>
     </mc:Choice>
-    <mc:Fallback>
+    <mc:Fallback xmlns="">
       <p:transition spd="slow">
         <p:fade/>
       </p:transition>
@@ -24474,7 +24502,7 @@
           <p:cNvPr id="4" name="Picture 3">
             <a:extLst>
               <a:ext uri="{FF2B5EF4-FFF2-40B4-BE49-F238E27FC236}">
-                <a16:creationId xmlns:a16="http://schemas.microsoft.com/office/drawing/2014/main" id="{11C67025-9245-7C43-90D9-69861A20458F}"/>
+                <a16:creationId xmlns:a16="http://schemas.microsoft.com/office/drawing/2014/main" id="{4510F923-AE48-3440-A96A-4E16496A5319}"/>
               </a:ext>
             </a:extLst>
           </p:cNvPr>
@@ -24491,8 +24519,8 @@
         </p:blipFill>
         <p:spPr>
           <a:xfrm>
-            <a:off x="1016000" y="95250"/>
-            <a:ext cx="7112000" cy="4953000"/>
+            <a:off x="1562594" y="274245"/>
+            <a:ext cx="4808103" cy="4571006"/>
           </a:xfrm>
           <a:prstGeom prst="rect">
             <a:avLst/>
@@ -24504,7 +24532,7 @@
           <p:cNvPr id="2" name="Title 1">
             <a:extLst>
               <a:ext uri="{FF2B5EF4-FFF2-40B4-BE49-F238E27FC236}">
-                <a16:creationId xmlns:a16="http://schemas.microsoft.com/office/drawing/2014/main" id="{2AE66520-33B1-2C46-B2E4-12F737F471AD}"/>
+                <a16:creationId xmlns:a16="http://schemas.microsoft.com/office/drawing/2014/main" id="{E033CC51-7533-2B45-BA46-F88EB478F13C}"/>
               </a:ext>
             </a:extLst>
           </p:cNvPr>
@@ -24522,7 +24550,7 @@
           <a:p>
             <a:r>
               <a:rPr lang="en-US" dirty="0"/>
-              <a:t>Let’s see the code …</a:t>
+              <a:t>Runtime</a:t>
             </a:r>
           </a:p>
         </p:txBody>
@@ -24532,7 +24560,7 @@
           <p:cNvPr id="3" name="Footer Placeholder 2">
             <a:extLst>
               <a:ext uri="{FF2B5EF4-FFF2-40B4-BE49-F238E27FC236}">
-                <a16:creationId xmlns:a16="http://schemas.microsoft.com/office/drawing/2014/main" id="{002242CA-4D8F-B74A-870E-74BD8540DCA2}"/>
+                <a16:creationId xmlns:a16="http://schemas.microsoft.com/office/drawing/2014/main" id="{0C37B1F0-1738-1A4F-BE55-4F2C7DE30C06}"/>
               </a:ext>
             </a:extLst>
           </p:cNvPr>
@@ -24559,20 +24587,20 @@
     </p:spTree>
     <p:extLst>
       <p:ext uri="{BB962C8B-B14F-4D97-AF65-F5344CB8AC3E}">
-        <p14:creationId xmlns:p14="http://schemas.microsoft.com/office/powerpoint/2010/main" val="3774567876"/>
+        <p14:creationId xmlns:p14="http://schemas.microsoft.com/office/powerpoint/2010/main" val="3541459722"/>
       </p:ext>
     </p:extLst>
   </p:cSld>
   <p:clrMapOvr>
     <a:masterClrMapping/>
   </p:clrMapOvr>
-  <mc:AlternateContent xmlns:mc="http://schemas.openxmlformats.org/markup-compatibility/2006">
-    <mc:Choice xmlns:p159="http://schemas.microsoft.com/office/powerpoint/2015/09/main" Requires="p159">
+  <mc:AlternateContent xmlns:mc="http://schemas.openxmlformats.org/markup-compatibility/2006" xmlns:p159="http://schemas.microsoft.com/office/powerpoint/2015/09/main">
+    <mc:Choice Requires="p159">
       <p:transition xmlns:p14="http://schemas.microsoft.com/office/powerpoint/2010/main" spd="slow" p14:dur="2000">
         <p159:morph option="byObject"/>
       </p:transition>
     </mc:Choice>
-    <mc:Fallback>
+    <mc:Fallback xmlns="">
       <p:transition spd="slow">
         <p:fade/>
       </p:transition>
@@ -24603,7 +24631,7 @@
           <p:cNvPr id="4" name="Picture 3">
             <a:extLst>
               <a:ext uri="{FF2B5EF4-FFF2-40B4-BE49-F238E27FC236}">
-                <a16:creationId xmlns:a16="http://schemas.microsoft.com/office/drawing/2014/main" id="{4510F923-AE48-3440-A96A-4E16496A5319}"/>
+                <a16:creationId xmlns:a16="http://schemas.microsoft.com/office/drawing/2014/main" id="{11C67025-9245-7C43-90D9-69861A20458F}"/>
               </a:ext>
             </a:extLst>
           </p:cNvPr>
@@ -24620,8 +24648,8 @@
         </p:blipFill>
         <p:spPr>
           <a:xfrm>
-            <a:off x="1562594" y="274245"/>
-            <a:ext cx="4808103" cy="4571006"/>
+            <a:off x="1016000" y="95250"/>
+            <a:ext cx="7112000" cy="4953000"/>
           </a:xfrm>
           <a:prstGeom prst="rect">
             <a:avLst/>
@@ -24633,7 +24661,7 @@
           <p:cNvPr id="2" name="Title 1">
             <a:extLst>
               <a:ext uri="{FF2B5EF4-FFF2-40B4-BE49-F238E27FC236}">
-                <a16:creationId xmlns:a16="http://schemas.microsoft.com/office/drawing/2014/main" id="{E033CC51-7533-2B45-BA46-F88EB478F13C}"/>
+                <a16:creationId xmlns:a16="http://schemas.microsoft.com/office/drawing/2014/main" id="{2AE66520-33B1-2C46-B2E4-12F737F471AD}"/>
               </a:ext>
             </a:extLst>
           </p:cNvPr>
@@ -24651,7 +24679,7 @@
           <a:p>
             <a:r>
               <a:rPr lang="en-US" dirty="0"/>
-              <a:t>Runtime</a:t>
+              <a:t>Let’s see the code …</a:t>
             </a:r>
           </a:p>
         </p:txBody>
@@ -24661,7 +24689,7 @@
           <p:cNvPr id="3" name="Footer Placeholder 2">
             <a:extLst>
               <a:ext uri="{FF2B5EF4-FFF2-40B4-BE49-F238E27FC236}">
-                <a16:creationId xmlns:a16="http://schemas.microsoft.com/office/drawing/2014/main" id="{0C37B1F0-1738-1A4F-BE55-4F2C7DE30C06}"/>
+                <a16:creationId xmlns:a16="http://schemas.microsoft.com/office/drawing/2014/main" id="{002242CA-4D8F-B74A-870E-74BD8540DCA2}"/>
               </a:ext>
             </a:extLst>
           </p:cNvPr>
@@ -24688,20 +24716,20 @@
     </p:spTree>
     <p:extLst>
       <p:ext uri="{BB962C8B-B14F-4D97-AF65-F5344CB8AC3E}">
-        <p14:creationId xmlns:p14="http://schemas.microsoft.com/office/powerpoint/2010/main" val="3541459722"/>
+        <p14:creationId xmlns:p14="http://schemas.microsoft.com/office/powerpoint/2010/main" val="3774567876"/>
       </p:ext>
     </p:extLst>
   </p:cSld>
   <p:clrMapOvr>
     <a:masterClrMapping/>
   </p:clrMapOvr>
-  <mc:AlternateContent xmlns:mc="http://schemas.openxmlformats.org/markup-compatibility/2006">
-    <mc:Choice xmlns:p159="http://schemas.microsoft.com/office/powerpoint/2015/09/main" Requires="p159">
+  <mc:AlternateContent xmlns:mc="http://schemas.openxmlformats.org/markup-compatibility/2006" xmlns:p159="http://schemas.microsoft.com/office/powerpoint/2015/09/main">
+    <mc:Choice Requires="p159">
       <p:transition xmlns:p14="http://schemas.microsoft.com/office/powerpoint/2010/main" spd="slow" p14:dur="2000">
         <p159:morph option="byObject"/>
       </p:transition>
     </mc:Choice>
-    <mc:Fallback>
+    <mc:Fallback xmlns="">
       <p:transition spd="slow">
         <p:fade/>
       </p:transition>
@@ -27021,13 +27049,13 @@
   <p:clrMapOvr>
     <a:masterClrMapping/>
   </p:clrMapOvr>
-  <mc:AlternateContent xmlns:mc="http://schemas.openxmlformats.org/markup-compatibility/2006">
-    <mc:Choice xmlns:p159="http://schemas.microsoft.com/office/powerpoint/2015/09/main" Requires="p159">
+  <mc:AlternateContent xmlns:mc="http://schemas.openxmlformats.org/markup-compatibility/2006" xmlns:p159="http://schemas.microsoft.com/office/powerpoint/2015/09/main">
+    <mc:Choice Requires="p159">
       <p:transition xmlns:p14="http://schemas.microsoft.com/office/powerpoint/2010/main" spd="slow" p14:dur="2000">
         <p159:morph option="byObject"/>
       </p:transition>
     </mc:Choice>
-    <mc:Fallback>
+    <mc:Fallback xmlns="">
       <p:transition spd="slow">
         <p:fade/>
       </p:transition>
@@ -27627,15 +27655,6 @@
 </file>
 
 <file path=customXml/item1.xml><?xml version="1.0" encoding="utf-8"?>
-<?mso-contentType ?>
-<FormTemplates xmlns="http://schemas.microsoft.com/sharepoint/v3/contenttype/forms">
-  <Display>DocumentLibraryForm</Display>
-  <Edit>DocumentLibraryForm</Edit>
-  <New>DocumentLibraryForm</New>
-</FormTemplates>
-</file>
-
-<file path=customXml/item2.xml><?xml version="1.0" encoding="utf-8"?>
 <ct:contentTypeSchema xmlns:ct="http://schemas.microsoft.com/office/2006/metadata/contentType" xmlns:ma="http://schemas.microsoft.com/office/2006/metadata/properties/metaAttributes" ct:_="" ma:_="" ma:contentTypeName="Document" ma:contentTypeID="0x01010046D915C345066340A6E547922950C620" ma:contentTypeVersion="10" ma:contentTypeDescription="Create a new document." ma:contentTypeScope="" ma:versionID="99758696ef843aef9d9142e0747695e1">
   <xsd:schema xmlns:xsd="http://www.w3.org/2001/XMLSchema" xmlns:xs="http://www.w3.org/2001/XMLSchema" xmlns:p="http://schemas.microsoft.com/office/2006/metadata/properties" xmlns:ns2="ebcd058a-0d18-4df8-89cc-58de79303721" xmlns:ns3="4dae927c-2c60-435b-8780-6f2bf81f4529" targetNamespace="http://schemas.microsoft.com/office/2006/metadata/properties" ma:root="true" ma:fieldsID="171602ed49b79faa1549a9d5ad266615" ns2:_="" ns3:_="">
     <xsd:import namespace="ebcd058a-0d18-4df8-89cc-58de79303721"/>
@@ -27838,6 +27857,15 @@
 </ct:contentTypeSchema>
 </file>
 
+<file path=customXml/item2.xml><?xml version="1.0" encoding="utf-8"?>
+<?mso-contentType ?>
+<FormTemplates xmlns="http://schemas.microsoft.com/sharepoint/v3/contenttype/forms">
+  <Display>DocumentLibraryForm</Display>
+  <Edit>DocumentLibraryForm</Edit>
+  <New>DocumentLibraryForm</New>
+</FormTemplates>
+</file>
+
 <file path=customXml/item3.xml><?xml version="1.0" encoding="utf-8"?>
 <p:properties xmlns:p="http://schemas.microsoft.com/office/2006/metadata/properties" xmlns:xsi="http://www.w3.org/2001/XMLSchema-instance" xmlns:pc="http://schemas.microsoft.com/office/infopath/2007/PartnerControls">
   <documentManagement/>
@@ -27845,14 +27873,6 @@
 </file>
 
 <file path=customXml/itemProps1.xml><?xml version="1.0" encoding="utf-8"?>
-<ds:datastoreItem xmlns:ds="http://schemas.openxmlformats.org/officeDocument/2006/customXml" ds:itemID="{AE386CDA-D2A8-4B50-B567-027D296A9FCE}">
-  <ds:schemaRefs>
-    <ds:schemaRef ds:uri="http://schemas.microsoft.com/sharepoint/v3/contenttype/forms"/>
-  </ds:schemaRefs>
-</ds:datastoreItem>
-</file>
-
-<file path=customXml/itemProps2.xml><?xml version="1.0" encoding="utf-8"?>
 <ds:datastoreItem xmlns:ds="http://schemas.openxmlformats.org/officeDocument/2006/customXml" ds:itemID="{EBCAAC96-1480-4044-80F3-94D01C3F4B63}">
   <ds:schemaRefs>
     <ds:schemaRef ds:uri="http://schemas.microsoft.com/office/2006/metadata/contentType"/>
@@ -27867,6 +27887,14 @@
     <ds:schemaRef ds:uri="http://purl.org/dc/elements/1.1/"/>
     <ds:schemaRef ds:uri="http://purl.org/dc/terms/"/>
     <ds:schemaRef ds:uri="http://schemas.microsoft.com/internal/obd"/>
+  </ds:schemaRefs>
+</ds:datastoreItem>
+</file>
+
+<file path=customXml/itemProps2.xml><?xml version="1.0" encoding="utf-8"?>
+<ds:datastoreItem xmlns:ds="http://schemas.openxmlformats.org/officeDocument/2006/customXml" ds:itemID="{AE386CDA-D2A8-4B50-B567-027D296A9FCE}">
+  <ds:schemaRefs>
+    <ds:schemaRef ds:uri="http://schemas.microsoft.com/sharepoint/v3/contenttype/forms"/>
   </ds:schemaRefs>
 </ds:datastoreItem>
 </file>
